--- a/deck/GeneratedPresentations/Chris Dixon-entity.pptx
+++ b/deck/GeneratedPresentations/Chris Dixon-entity.pptx
@@ -6,13 +6,6 @@
   </p:sldMasterIdLst>
   <p:sldIdLst>
     <p:sldId id="256" r:id="rId6"/>
-    <p:sldId id="257" r:id="rId7"/>
-    <p:sldId id="258" r:id="rId8"/>
-    <p:sldId id="259" r:id="rId9"/>
-    <p:sldId id="260" r:id="rId10"/>
-    <p:sldId id="261" r:id="rId11"/>
-    <p:sldId id="262" r:id="rId12"/>
-    <p:sldId id="263" r:id="rId13"/>
   </p:sldIdLst>
   <p:sldSz cx="12192000" cy="6858000"/>
   <p:notesSz cx="6858000" cy="9144000"/>
@@ -5347,28 +5340,7 @@
             <a:spLocks noGrp="1"/>
           </p:cNvSpPr>
           <p:nvPr>
-            <p:ph type="ctrTitle"/>
-          </p:nvPr>
-        </p:nvSpPr>
-        <p:spPr/>
-        <p:txBody>
-          <a:bodyPr/>
-          <a:lstStyle/>
-          <a:p>
-            <a:r>
-              <a:t>Elysium OS - Empowering Developers to Build Secure, Decentralized AI</a:t>
-            </a:r>
-          </a:p>
-        </p:txBody>
-      </p:sp>
-      <p:sp>
-        <p:nvSpPr>
-          <p:cNvPr id="3" name="Subtitle 2"/>
-          <p:cNvSpPr>
-            <a:spLocks noGrp="1"/>
-          </p:cNvSpPr>
-          <p:nvPr>
-            <p:ph type="subTitle" idx="1"/>
+            <p:ph type="title"/>
           </p:nvPr>
         </p:nvSpPr>
         <p:spPr/>
@@ -5378,32 +5350,14 @@
           <a:p/>
         </p:txBody>
       </p:sp>
-    </p:spTree>
-  </p:cSld>
-  <p:clrMapOvr>
-    <a:masterClrMapping/>
-  </p:clrMapOvr>
-</p:sld>
-</file>
-
-<file path=ppt/slides/slide2.xml><?xml version="1.0" encoding="utf-8"?>
-<p:sld xmlns:a="http://schemas.openxmlformats.org/drawingml/2006/main" xmlns:p="http://schemas.openxmlformats.org/presentationml/2006/main" xmlns:r="http://schemas.openxmlformats.org/officeDocument/2006/relationships">
-  <p:cSld>
-    <p:spTree>
-      <p:nvGrpSpPr>
-        <p:cNvPr id="1" name=""/>
-        <p:cNvGrpSpPr/>
-        <p:nvPr/>
-      </p:nvGrpSpPr>
-      <p:grpSpPr/>
-      <p:sp>
-        <p:nvSpPr>
-          <p:cNvPr id="2" name="Title 1"/>
-          <p:cNvSpPr>
-            <a:spLocks noGrp="1"/>
-          </p:cNvSpPr>
-          <p:nvPr>
-            <p:ph type="title"/>
+      <p:sp>
+        <p:nvSpPr>
+          <p:cNvPr id="3" name="Content Placeholder 2"/>
+          <p:cNvSpPr>
+            <a:spLocks noGrp="1"/>
+          </p:cNvSpPr>
+          <p:nvPr>
+            <p:ph idx="1"/>
           </p:nvPr>
         </p:nvSpPr>
         <p:spPr/>
@@ -5412,597 +5366,491 @@
           <a:lstStyle/>
           <a:p>
             <a:r>
-              <a:t>Table of Contents</a:t>
-            </a:r>
-          </a:p>
-        </p:txBody>
-      </p:sp>
-      <p:sp>
-        <p:nvSpPr>
-          <p:cNvPr id="3" name="Content Placeholder 2"/>
-          <p:cNvSpPr>
-            <a:spLocks noGrp="1"/>
-          </p:cNvSpPr>
-          <p:nvPr>
-            <p:ph idx="1"/>
-          </p:nvPr>
-        </p:nvSpPr>
-        <p:spPr/>
-        <p:txBody>
-          <a:bodyPr/>
-          <a:lstStyle/>
-          <a:p/>
-          <a:p>
-            <a:r>
-              <a:t>1. The Problem</a:t>
-            </a:r>
-          </a:p>
-          <a:p>
-            <a:r>
-              <a:t>2. Elysium's Solution</a:t>
-            </a:r>
-          </a:p>
-          <a:p>
-            <a:r>
-              <a:t>3. Our Offerings</a:t>
-            </a:r>
-          </a:p>
-          <a:p>
-            <a:r>
-              <a:t>4. Target Customer - Developers</a:t>
-            </a:r>
-          </a:p>
-          <a:p>
-            <a:r>
-              <a:t>5. Capital Raise</a:t>
-            </a:r>
-          </a:p>
-        </p:txBody>
-      </p:sp>
-    </p:spTree>
-  </p:cSld>
-  <p:clrMapOvr>
-    <a:masterClrMapping/>
-  </p:clrMapOvr>
-</p:sld>
-</file>
-
-<file path=ppt/slides/slide3.xml><?xml version="1.0" encoding="utf-8"?>
-<p:sld xmlns:a="http://schemas.openxmlformats.org/drawingml/2006/main" xmlns:p="http://schemas.openxmlformats.org/presentationml/2006/main" xmlns:r="http://schemas.openxmlformats.org/officeDocument/2006/relationships">
-  <p:cSld>
-    <p:spTree>
-      <p:nvGrpSpPr>
-        <p:cNvPr id="1" name=""/>
-        <p:cNvGrpSpPr/>
-        <p:nvPr/>
-      </p:nvGrpSpPr>
-      <p:grpSpPr/>
-      <p:sp>
-        <p:nvSpPr>
-          <p:cNvPr id="2" name="Title 1"/>
-          <p:cNvSpPr>
-            <a:spLocks noGrp="1"/>
-          </p:cNvSpPr>
-          <p:nvPr>
-            <p:ph type="title"/>
-          </p:nvPr>
-        </p:nvSpPr>
-        <p:spPr/>
-        <p:txBody>
-          <a:bodyPr/>
-          <a:lstStyle/>
-          <a:p>
-            <a:r>
-              <a:t>The Problem</a:t>
-            </a:r>
-          </a:p>
-        </p:txBody>
-      </p:sp>
-      <p:sp>
-        <p:nvSpPr>
-          <p:cNvPr id="3" name="Picture Placeholder 2"/>
-          <p:cNvSpPr>
-            <a:spLocks noGrp="1"/>
-          </p:cNvSpPr>
-          <p:nvPr>
-            <p:ph type="pic" idx="13" sz="quarter"/>
-          </p:nvPr>
-        </p:nvSpPr>
-        <p:spPr/>
-      </p:sp>
-      <p:sp>
-        <p:nvSpPr>
-          <p:cNvPr id="4" name="Text Placeholder 3"/>
-          <p:cNvSpPr>
-            <a:spLocks noGrp="1"/>
-          </p:cNvSpPr>
-          <p:nvPr>
-            <p:ph type="body" idx="2" sz="half"/>
-          </p:nvPr>
-        </p:nvSpPr>
-        <p:spPr/>
-        <p:txBody>
-          <a:bodyPr/>
-          <a:lstStyle/>
-          <a:p/>
-          <a:p>
-            <a:r>
-              <a:t>1. Isolated AI Agents</a:t>
-            </a:r>
-          </a:p>
-          <a:p>
-            <a:r>
-              <a:t>2. Fragmentation Hinders AI Adoption</a:t>
-            </a:r>
-          </a:p>
-          <a:p>
-            <a:r>
-              <a:t>3. Lack of Unity</a:t>
-            </a:r>
-          </a:p>
-          <a:p>
-            <a:r>
-              <a:t>4. Operational Inefficiency</a:t>
-            </a:r>
-          </a:p>
-          <a:p>
-            <a:r>
-              <a:t>5. Limited Cross-Compatibility</a:t>
-            </a:r>
-          </a:p>
-          <a:p>
-            <a:r>
-              <a:t>6. Barrier to Entry</a:t>
-            </a:r>
-          </a:p>
-          <a:p>
-            <a:r>
-              <a:t>7. Security Concerns</a:t>
-            </a:r>
-          </a:p>
-        </p:txBody>
-      </p:sp>
-    </p:spTree>
-  </p:cSld>
-  <p:clrMapOvr>
-    <a:masterClrMapping/>
-  </p:clrMapOvr>
-</p:sld>
-</file>
-
-<file path=ppt/slides/slide4.xml><?xml version="1.0" encoding="utf-8"?>
-<p:sld xmlns:a="http://schemas.openxmlformats.org/drawingml/2006/main" xmlns:p="http://schemas.openxmlformats.org/presentationml/2006/main" xmlns:r="http://schemas.openxmlformats.org/officeDocument/2006/relationships">
-  <p:cSld>
-    <p:spTree>
-      <p:nvGrpSpPr>
-        <p:cNvPr id="1" name=""/>
-        <p:cNvGrpSpPr/>
-        <p:nvPr/>
-      </p:nvGrpSpPr>
-      <p:grpSpPr/>
-      <p:sp>
-        <p:nvSpPr>
-          <p:cNvPr id="2" name="Title 1"/>
-          <p:cNvSpPr>
-            <a:spLocks noGrp="1"/>
-          </p:cNvSpPr>
-          <p:nvPr>
-            <p:ph type="title"/>
-          </p:nvPr>
-        </p:nvSpPr>
-        <p:spPr/>
-        <p:txBody>
-          <a:bodyPr/>
-          <a:lstStyle/>
-          <a:p>
-            <a:r>
-              <a:t>Elysium's Solution</a:t>
-            </a:r>
-          </a:p>
-        </p:txBody>
-      </p:sp>
-      <p:sp>
-        <p:nvSpPr>
-          <p:cNvPr id="3" name="Content Placeholder 2"/>
-          <p:cNvSpPr>
-            <a:spLocks noGrp="1"/>
-          </p:cNvSpPr>
-          <p:nvPr>
-            <p:ph idx="1"/>
-          </p:nvPr>
-        </p:nvSpPr>
-        <p:spPr/>
-        <p:txBody>
-          <a:bodyPr/>
-          <a:lstStyle/>
-          <a:p/>
-          <a:p>
-            <a:r>
-              <a:t>1. Seamless User Experience</a:t>
-            </a:r>
-          </a:p>
-          <a:p>
-            <a:r>
-              <a:t>2. Dynamic Ecosystem Integration</a:t>
-            </a:r>
-          </a:p>
-          <a:p>
-            <a:r>
-              <a:t>3. Unified AI Network</a:t>
-            </a:r>
-          </a:p>
-          <a:p>
-            <a:r>
-              <a:t>4. Secure and Trustworthy Platform</a:t>
-            </a:r>
-          </a:p>
-        </p:txBody>
-      </p:sp>
-    </p:spTree>
-  </p:cSld>
-  <p:clrMapOvr>
-    <a:masterClrMapping/>
-  </p:clrMapOvr>
-</p:sld>
-</file>
-
-<file path=ppt/slides/slide5.xml><?xml version="1.0" encoding="utf-8"?>
-<p:sld xmlns:a="http://schemas.openxmlformats.org/drawingml/2006/main" xmlns:p="http://schemas.openxmlformats.org/presentationml/2006/main" xmlns:r="http://schemas.openxmlformats.org/officeDocument/2006/relationships">
-  <p:cSld>
-    <p:spTree>
-      <p:nvGrpSpPr>
-        <p:cNvPr id="1" name=""/>
-        <p:cNvGrpSpPr/>
-        <p:nvPr/>
-      </p:nvGrpSpPr>
-      <p:grpSpPr/>
-      <p:sp>
-        <p:nvSpPr>
-          <p:cNvPr id="2" name="Title 1"/>
-          <p:cNvSpPr>
-            <a:spLocks noGrp="1"/>
-          </p:cNvSpPr>
-          <p:nvPr>
-            <p:ph type="title"/>
-          </p:nvPr>
-        </p:nvSpPr>
-        <p:spPr/>
-        <p:txBody>
-          <a:bodyPr/>
-          <a:lstStyle/>
-          <a:p>
-            <a:r>
-              <a:t>Our Offerings</a:t>
-            </a:r>
-          </a:p>
-        </p:txBody>
-      </p:sp>
-      <p:sp>
-        <p:nvSpPr>
-          <p:cNvPr id="3" name="Content Placeholder 2"/>
-          <p:cNvSpPr>
-            <a:spLocks noGrp="1"/>
-          </p:cNvSpPr>
-          <p:nvPr>
-            <p:ph idx="1"/>
-          </p:nvPr>
-        </p:nvSpPr>
-        <p:spPr/>
-        <p:txBody>
-          <a:bodyPr/>
-          <a:lstStyle/>
-          <a:p/>
-          <a:p>
-            <a:r>
-              <a:t>1. Elysium OS - AI Butler or Chief of Staff</a:t>
-            </a:r>
-          </a:p>
-          <a:p>
-            <a:r>
-              <a:t>2. 24/7 Access and Various Platforms</a:t>
-            </a:r>
-          </a:p>
-          <a:p>
-            <a:r>
-              <a:t>3. Unified Portal for Managing AI Agents</a:t>
-            </a:r>
-          </a:p>
-          <a:p>
-            <a:r>
-              <a:t>4. Customization and Powerful Capabilities</a:t>
-            </a:r>
-          </a:p>
-          <a:p>
-            <a:r>
-              <a:t>5. Automation Station - Central Hub for AI Agents</a:t>
-            </a:r>
-          </a:p>
-        </p:txBody>
-      </p:sp>
-      <p:sp>
-        <p:nvSpPr>
-          <p:cNvPr id="4" name="Text Placeholder 3"/>
-          <p:cNvSpPr>
-            <a:spLocks noGrp="1"/>
-          </p:cNvSpPr>
-          <p:nvPr>
-            <p:ph type="body" idx="2" sz="half"/>
-          </p:nvPr>
-        </p:nvSpPr>
-        <p:spPr/>
-        <p:txBody>
-          <a:bodyPr/>
-          <a:lstStyle/>
-          <a:p/>
-        </p:txBody>
-      </p:sp>
-    </p:spTree>
-  </p:cSld>
-  <p:clrMapOvr>
-    <a:masterClrMapping/>
-  </p:clrMapOvr>
-</p:sld>
-</file>
-
-<file path=ppt/slides/slide6.xml><?xml version="1.0" encoding="utf-8"?>
-<p:sld xmlns:a="http://schemas.openxmlformats.org/drawingml/2006/main" xmlns:p="http://schemas.openxmlformats.org/presentationml/2006/main" xmlns:r="http://schemas.openxmlformats.org/officeDocument/2006/relationships">
-  <p:cSld>
-    <p:spTree>
-      <p:nvGrpSpPr>
-        <p:cNvPr id="1" name=""/>
-        <p:cNvGrpSpPr/>
-        <p:nvPr/>
-      </p:nvGrpSpPr>
-      <p:grpSpPr/>
-      <p:sp>
-        <p:nvSpPr>
-          <p:cNvPr id="2" name="Title 1"/>
-          <p:cNvSpPr>
-            <a:spLocks noGrp="1"/>
-          </p:cNvSpPr>
-          <p:nvPr>
-            <p:ph type="title"/>
-          </p:nvPr>
-        </p:nvSpPr>
-        <p:spPr/>
-        <p:txBody>
-          <a:bodyPr/>
-          <a:lstStyle/>
-          <a:p>
-            <a:r>
-              <a:t>Target Customer - Developers</a:t>
-            </a:r>
-          </a:p>
-        </p:txBody>
-      </p:sp>
-      <p:sp>
-        <p:nvSpPr>
-          <p:cNvPr id="3" name="Picture Placeholder 2"/>
-          <p:cNvSpPr>
-            <a:spLocks noGrp="1"/>
-          </p:cNvSpPr>
-          <p:nvPr>
-            <p:ph type="pic" idx="13" sz="quarter"/>
-          </p:nvPr>
-        </p:nvSpPr>
-        <p:spPr/>
-      </p:sp>
-      <p:sp>
-        <p:nvSpPr>
-          <p:cNvPr id="4" name="Text Placeholder 3"/>
-          <p:cNvSpPr>
-            <a:spLocks noGrp="1"/>
-          </p:cNvSpPr>
-          <p:nvPr>
-            <p:ph type="body" idx="2" sz="half"/>
-          </p:nvPr>
-        </p:nvSpPr>
-        <p:spPr/>
-        <p:txBody>
-          <a:bodyPr/>
-          <a:lstStyle/>
-          <a:p/>
-          <a:p>
-            <a:r>
-              <a:t>1. Shared Problem We Solve</a:t>
-            </a:r>
-          </a:p>
-          <a:p>
-            <a:r>
-              <a:t>2. Elysium as a Value-Added Catalyst</a:t>
-            </a:r>
-          </a:p>
-          <a:p>
-            <a:r>
-              <a:t>3. Intuitive Entry Point via Elysium OS</a:t>
-            </a:r>
-          </a:p>
-          <a:p>
-            <a:r>
-              <a:t>4. Platforming AI Agents in One Place</a:t>
-            </a:r>
-          </a:p>
-          <a:p>
-            <a:r>
-              <a:t>5. Transactions via Automation Station</a:t>
-            </a:r>
-          </a:p>
-        </p:txBody>
-      </p:sp>
-    </p:spTree>
-  </p:cSld>
-  <p:clrMapOvr>
-    <a:masterClrMapping/>
-  </p:clrMapOvr>
-</p:sld>
-</file>
-
-<file path=ppt/slides/slide7.xml><?xml version="1.0" encoding="utf-8"?>
-<p:sld xmlns:a="http://schemas.openxmlformats.org/drawingml/2006/main" xmlns:p="http://schemas.openxmlformats.org/presentationml/2006/main" xmlns:r="http://schemas.openxmlformats.org/officeDocument/2006/relationships">
-  <p:cSld>
-    <p:spTree>
-      <p:nvGrpSpPr>
-        <p:cNvPr id="1" name=""/>
-        <p:cNvGrpSpPr/>
-        <p:nvPr/>
-      </p:nvGrpSpPr>
-      <p:grpSpPr/>
-      <p:sp>
-        <p:nvSpPr>
-          <p:cNvPr id="2" name="Title 1"/>
-          <p:cNvSpPr>
-            <a:spLocks noGrp="1"/>
-          </p:cNvSpPr>
-          <p:nvPr>
-            <p:ph type="title"/>
-          </p:nvPr>
-        </p:nvSpPr>
-        <p:spPr/>
-        <p:txBody>
-          <a:bodyPr/>
-          <a:lstStyle/>
-          <a:p>
-            <a:r>
-              <a:t>Capital Raise</a:t>
-            </a:r>
-          </a:p>
-        </p:txBody>
-      </p:sp>
-      <p:sp>
-        <p:nvSpPr>
-          <p:cNvPr id="3" name="Content Placeholder 2"/>
-          <p:cNvSpPr>
-            <a:spLocks noGrp="1"/>
-          </p:cNvSpPr>
-          <p:nvPr>
-            <p:ph idx="1"/>
-          </p:nvPr>
-        </p:nvSpPr>
-        <p:spPr/>
-        <p:txBody>
-          <a:bodyPr/>
-          <a:lstStyle/>
-          <a:p/>
-          <a:p>
-            <a:r>
-              <a:t>1. Raising $3,500,000 in Seed Round</a:t>
-            </a:r>
-          </a:p>
-          <a:p>
-            <a:r>
-              <a:t>2. Purpose of Fundraising</a:t>
-            </a:r>
-          </a:p>
-          <a:p>
-            <a:r>
-              <a:t>3. Significant Hirings</a:t>
-            </a:r>
-          </a:p>
-          <a:p>
-            <a:r>
-              <a:t>4. Growth and Scaling</a:t>
-            </a:r>
-          </a:p>
-          <a:p>
-            <a:r>
-              <a:t>5. Development of the Platform</a:t>
-            </a:r>
-          </a:p>
-        </p:txBody>
-      </p:sp>
-    </p:spTree>
-  </p:cSld>
-  <p:clrMapOvr>
-    <a:masterClrMapping/>
-  </p:clrMapOvr>
-</p:sld>
-</file>
-
-<file path=ppt/slides/slide8.xml><?xml version="1.0" encoding="utf-8"?>
-<p:sld xmlns:a="http://schemas.openxmlformats.org/drawingml/2006/main" xmlns:p="http://schemas.openxmlformats.org/presentationml/2006/main" xmlns:r="http://schemas.openxmlformats.org/officeDocument/2006/relationships">
-  <p:cSld>
-    <p:spTree>
-      <p:nvGrpSpPr>
-        <p:cNvPr id="1" name=""/>
-        <p:cNvGrpSpPr/>
-        <p:nvPr/>
-      </p:nvGrpSpPr>
-      <p:grpSpPr/>
-      <p:sp>
-        <p:nvSpPr>
-          <p:cNvPr id="2" name="Title 1"/>
-          <p:cNvSpPr>
-            <a:spLocks noGrp="1"/>
-          </p:cNvSpPr>
-          <p:nvPr>
-            <p:ph type="title"/>
-          </p:nvPr>
-        </p:nvSpPr>
-        <p:spPr/>
-        <p:txBody>
-          <a:bodyPr/>
-          <a:lstStyle/>
-          <a:p>
-            <a:r>
-              <a:t>Summary</a:t>
-            </a:r>
-          </a:p>
-        </p:txBody>
-      </p:sp>
-      <p:sp>
-        <p:nvSpPr>
-          <p:cNvPr id="3" name="Picture Placeholder 2"/>
-          <p:cNvSpPr>
-            <a:spLocks noGrp="1"/>
-          </p:cNvSpPr>
-          <p:nvPr>
-            <p:ph type="pic" idx="13" sz="quarter"/>
-          </p:nvPr>
-        </p:nvSpPr>
-        <p:spPr/>
-      </p:sp>
-      <p:sp>
-        <p:nvSpPr>
-          <p:cNvPr id="4" name="Text Placeholder 3"/>
-          <p:cNvSpPr>
-            <a:spLocks noGrp="1"/>
-          </p:cNvSpPr>
-          <p:nvPr>
-            <p:ph type="body" idx="2" sz="half"/>
-          </p:nvPr>
-        </p:nvSpPr>
-        <p:spPr/>
-        <p:txBody>
-          <a:bodyPr/>
-          <a:lstStyle/>
-          <a:p/>
-          <a:p>
-            <a:r>
-              <a:t>- Elysium OS empowers developers to build secure, decentralized AI.</a:t>
-            </a:r>
-          </a:p>
-          <a:p>
-            <a:r>
-              <a:t>- Seamless user experience and dynamic ecosystem integration.</a:t>
-            </a:r>
-          </a:p>
-          <a:p>
-            <a:r>
-              <a:t>- Unified portal for managing AI agents and robust customization.</a:t>
-            </a:r>
-          </a:p>
-          <a:p>
-            <a:r>
-              <a:t>- Targeted towards developers and solves shared problems.</a:t>
-            </a:r>
-          </a:p>
-          <a:p>
-            <a:r>
-              <a:t>- Capital raise to support growth, development, and hirings.</a:t>
-            </a:r>
-          </a:p>
-        </p:txBody>
-      </p:sp>
+              <a:t>#Title: Empowering Developers with Elysium AI Platform</a:t>
+            </a:r>
+          </a:p>
+          <a:p>
+            <a:r>
+              <a:t>#Slide: 1</a:t>
+            </a:r>
+          </a:p>
+          <a:p>
+            <a:r>
+              <a:t>#Header: Table of Contents</a:t>
+            </a:r>
+          </a:p>
+          <a:p>
+            <a:r>
+              <a:t>#Content:</a:t>
+            </a:r>
+          </a:p>
+          <a:p>
+            <a:r>
+              <a:t>1. Introduction to Elysium</a:t>
+            </a:r>
+          </a:p>
+          <a:p>
+            <a:r>
+              <a:t>2. The Problem: Fragmentation in AI</a:t>
+            </a:r>
+          </a:p>
+          <a:p>
+            <a:r>
+              <a:t>3. Elysium's Solution</a:t>
+            </a:r>
+          </a:p>
+          <a:p>
+            <a:r>
+              <a:t>4. Our Offerings</a:t>
+            </a:r>
+          </a:p>
+          <a:p>
+            <a:r>
+              <a:t>5. Target Customers: Developers</a:t>
+            </a:r>
+          </a:p>
+          <a:p>
+            <a:r>
+              <a:t>6. Capital Raise</a:t>
+            </a:r>
+          </a:p>
+          <a:p>
+            <a:r>
+              <a:t>7. Summary</a:t>
+            </a:r>
+          </a:p>
+          <a:p>
+            <a:r>
+              <a:t>#Slide: 2</a:t>
+            </a:r>
+          </a:p>
+          <a:p>
+            <a:r>
+              <a:t>#Header: Introduction to Elysium</a:t>
+            </a:r>
+          </a:p>
+          <a:p>
+            <a:r>
+              <a:t>#Content:</a:t>
+            </a:r>
+          </a:p>
+          <a:p>
+            <a:r>
+              <a:t>Welcome, Chris Dixon, to our presentation on Elysium! We empower developers to build secure, decentralized AI tailored to individual needs. Customize your AI symphony.</a:t>
+            </a:r>
+          </a:p>
+          <a:p>
+            <a:r>
+              <a:t>#Slide: 3</a:t>
+            </a:r>
+          </a:p>
+          <a:p>
+            <a:r>
+              <a:t>#Header: The Problem: Fragmentation in AI</a:t>
+            </a:r>
+          </a:p>
+          <a:p>
+            <a:r>
+              <a:t>#Content:</a:t>
+            </a:r>
+          </a:p>
+          <a:p>
+            <a:r>
+              <a:t>- AI Agents are isolated, hindering collaboration and adoption.</a:t>
+            </a:r>
+          </a:p>
+          <a:p>
+            <a:r>
+              <a:t>- Fragmentation leads to disjointed experiences, reduced productivity, limited compatibility, entry barriers, and security concerns.</a:t>
+            </a:r>
+          </a:p>
+          <a:p>
+            <a:r>
+              <a:t>#Slide: 4</a:t>
+            </a:r>
+          </a:p>
+          <a:p>
+            <a:r>
+              <a:t>#Header: Elysium's Solution</a:t>
+            </a:r>
+          </a:p>
+          <a:p>
+            <a:r>
+              <a:t>#Content:</a:t>
+            </a:r>
+          </a:p>
+          <a:p>
+            <a:r>
+              <a:t>- Seamless User Experience: Customize agent personalities and settings.</a:t>
+            </a:r>
+          </a:p>
+          <a:p>
+            <a:r>
+              <a:t>- Dynamic Ecosystem Integration: Efficient task management with multiple AI agents.</a:t>
+            </a:r>
+          </a:p>
+          <a:p>
+            <a:r>
+              <a:t>- Unified AI Network: Sync with existing business systems for smooth transitions.</a:t>
+            </a:r>
+          </a:p>
+          <a:p>
+            <a:r>
+              <a:t>- Secure and Trustworthy Platform: Blend of decentralized and conventional security protocols.</a:t>
+            </a:r>
+          </a:p>
+          <a:p>
+            <a:r>
+              <a:t>#Slide: 5</a:t>
+            </a:r>
+          </a:p>
+          <a:p>
+            <a:r>
+              <a:t>#Header: Our Offerings</a:t>
+            </a:r>
+          </a:p>
+          <a:p>
+            <a:r>
+              <a:t>#Content:</a:t>
+            </a:r>
+          </a:p>
+          <a:p>
+            <a:r>
+              <a:t>- Elysium OS: Personal Butler or Chief of Staff (COS) accessible via web and hologram.</a:t>
+            </a:r>
+          </a:p>
+          <a:p>
+            <a:r>
+              <a:t>- Automation Station: Central hub for sourcing and deploying AI agents. Streamlined recruitment, collaboration, and business integration.</a:t>
+            </a:r>
+          </a:p>
+          <a:p>
+            <a:r>
+              <a:t>#Slide: 6</a:t>
+            </a:r>
+          </a:p>
+          <a:p>
+            <a:r>
+              <a:t>#Header: Target Customers: Developers</a:t>
+            </a:r>
+          </a:p>
+          <a:p>
+            <a:r>
+              <a:t>#Content:</a:t>
+            </a:r>
+          </a:p>
+          <a:p>
+            <a:r>
+              <a:t>- Shared Problem: Lack of accessibility and connectivity for AI agents.</a:t>
+            </a:r>
+          </a:p>
+          <a:p>
+            <a:r>
+              <a:t>- Elysium as a Value-Added Catalyst: Intuitive entry point via Elysium OS. Platforming AI agents and facilitating transactions through Automation Station.</a:t>
+            </a:r>
+          </a:p>
+          <a:p>
+            <a:r>
+              <a:t>#Slide: 7</a:t>
+            </a:r>
+          </a:p>
+          <a:p>
+            <a:r>
+              <a:t>#Header: Capital Raise</a:t>
+            </a:r>
+          </a:p>
+          <a:p>
+            <a:r>
+              <a:t>#Content:</a:t>
+            </a:r>
+          </a:p>
+          <a:p>
+            <a:r>
+              <a:t>- We are raising $3,500,000 in our Seed round.</a:t>
+            </a:r>
+          </a:p>
+          <a:p>
+            <a:r>
+              <a:t>- Purpose: Significant hirings, growth via new marketing channels, development of our platform, and scaling audits.</a:t>
+            </a:r>
+          </a:p>
+          <a:p>
+            <a:r>
+              <a:t>#Slide: 8</a:t>
+            </a:r>
+          </a:p>
+          <a:p>
+            <a:r>
+              <a:t>#Header: Summary</a:t>
+            </a:r>
+          </a:p>
+          <a:p>
+            <a:r>
+              <a:t>#Content:</a:t>
+            </a:r>
+          </a:p>
+          <a:p>
+            <a:r>
+              <a:t>- Elysium empowers developers with a unified AI platform.</a:t>
+            </a:r>
+          </a:p>
+          <a:p>
+            <a:r>
+              <a:t>- Solve fragmentation issues in AI with seamless user experience and ecosystem integration.</a:t>
+            </a:r>
+          </a:p>
+          <a:p>
+            <a:r>
+              <a:t>- Offer Elysium OS and Automation Station to streamline AI management.</a:t>
+            </a:r>
+          </a:p>
+          <a:p>
+            <a:r>
+              <a:t>- Target developers as our primary customers.</a:t>
+            </a:r>
+          </a:p>
+          <a:p>
+            <a:r>
+              <a:t>- Seeking capital raise for growth and development.</a:t>
+            </a:r>
+          </a:p>
+          <a:p>
+            <a:r>
+              <a:t>#Slide: END</a:t>
+            </a:r>
+          </a:p>
+          <a:p>
+            <a:pPr lvl="1"/>
+            <a:r>
+              <a:t>#Title: Empowering Developers with Elysium AI Platform</a:t>
+            </a:r>
+            <a:br/>
+            <a:r>
+              <a:t>#Slide: 1</a:t>
+            </a:r>
+            <a:br/>
+            <a:r>
+              <a:t>#Header: Table of Contents</a:t>
+            </a:r>
+            <a:br/>
+            <a:r>
+              <a:t>#Content:</a:t>
+            </a:r>
+            <a:br/>
+            <a:r>
+              <a:t>1. Introduction to Elysium</a:t>
+            </a:r>
+            <a:br/>
+            <a:r>
+              <a:t>2. The Problem: Fragmentation in AI</a:t>
+            </a:r>
+            <a:br/>
+            <a:r>
+              <a:t>3. Elysium's Solution</a:t>
+            </a:r>
+            <a:br/>
+            <a:r>
+              <a:t>4. Our Offerings</a:t>
+            </a:r>
+            <a:br/>
+            <a:r>
+              <a:t>5. Target Customers: Developers</a:t>
+            </a:r>
+            <a:br/>
+            <a:r>
+              <a:t>6. Capital Raise</a:t>
+            </a:r>
+            <a:br/>
+            <a:r>
+              <a:t>7. Summary</a:t>
+            </a:r>
+            <a:br/>
+            <a:r>
+              <a:t>#Slide: 2</a:t>
+            </a:r>
+            <a:br/>
+            <a:r>
+              <a:t>#Header: Introduction to Elysium</a:t>
+            </a:r>
+            <a:br/>
+            <a:r>
+              <a:t>#Content:</a:t>
+            </a:r>
+            <a:br/>
+            <a:r>
+              <a:t>Welcome, Chris Dixon, to our presentation on Elysium! We empower developers to build secure, decentralized AI tailored to individual needs. Customize your AI symphony.</a:t>
+            </a:r>
+            <a:br/>
+            <a:r>
+              <a:t>#Slide: 3</a:t>
+            </a:r>
+            <a:br/>
+            <a:r>
+              <a:t>#Header: The Problem: Fragmentation in AI</a:t>
+            </a:r>
+            <a:br/>
+            <a:r>
+              <a:t>#Content:</a:t>
+            </a:r>
+            <a:br/>
+            <a:r>
+              <a:t>- AI Agents are isolated, hindering collaboration and adoption.</a:t>
+            </a:r>
+            <a:br/>
+            <a:r>
+              <a:t>- Fragmentation leads to disjointed experiences, reduced productivity, limited compatibility, entry barriers, and security concerns.</a:t>
+            </a:r>
+            <a:br/>
+            <a:r>
+              <a:t>#Slide: 4</a:t>
+            </a:r>
+            <a:br/>
+            <a:r>
+              <a:t>#Header: Elysium's Solution</a:t>
+            </a:r>
+            <a:br/>
+            <a:r>
+              <a:t>#Content:</a:t>
+            </a:r>
+            <a:br/>
+            <a:r>
+              <a:t>- Seamless User Experience: Customize agent personalities and settings.</a:t>
+            </a:r>
+            <a:br/>
+            <a:r>
+              <a:t>- Dynamic Ecosystem Integration: Efficient task management with multiple AI agents.</a:t>
+            </a:r>
+            <a:br/>
+            <a:r>
+              <a:t>- Unified AI Network: Sync with existing business systems for smooth transitions.</a:t>
+            </a:r>
+            <a:br/>
+            <a:r>
+              <a:t>- Secure and Trustworthy Platform: Blend of decentralized and conventional security protocols.</a:t>
+            </a:r>
+            <a:br/>
+            <a:r>
+              <a:t>#Slide: 5</a:t>
+            </a:r>
+            <a:br/>
+            <a:r>
+              <a:t>#Header: Our Offerings</a:t>
+            </a:r>
+            <a:br/>
+            <a:r>
+              <a:t>#Content:</a:t>
+            </a:r>
+            <a:br/>
+            <a:r>
+              <a:t>- Elysium OS: Personal Butler or Chief of Staff (COS) accessible via web and hologram.</a:t>
+            </a:r>
+            <a:br/>
+            <a:r>
+              <a:t>- Automation Station: Central hub for sourcing and deploying AI agents. Streamlined recruitment, collaboration, and business integration.</a:t>
+            </a:r>
+            <a:br/>
+            <a:r>
+              <a:t>#Slide: 6</a:t>
+            </a:r>
+            <a:br/>
+            <a:r>
+              <a:t>#Header: Target Customers: Developers</a:t>
+            </a:r>
+            <a:br/>
+            <a:r>
+              <a:t>#Content:</a:t>
+            </a:r>
+            <a:br/>
+            <a:r>
+              <a:t>- Shared Problem: Lack of accessibility and connectivity for AI agents.</a:t>
+            </a:r>
+            <a:br/>
+            <a:r>
+              <a:t>- Elysium as a Value-Added Catalyst: Intuitive entry point via Elysium OS. Platforming AI agents and facilitating transactions through Automation Station.</a:t>
+            </a:r>
+            <a:br/>
+            <a:r>
+              <a:t>#Slide: 7</a:t>
+            </a:r>
+            <a:br/>
+            <a:r>
+              <a:t>#Header: Capital Raise</a:t>
+            </a:r>
+            <a:br/>
+            <a:r>
+              <a:t>#Content:</a:t>
+            </a:r>
+            <a:br/>
+            <a:r>
+              <a:t>- We are raising $3,500,000 in our Seed round.</a:t>
+            </a:r>
+            <a:br/>
+            <a:r>
+              <a:t>- Purpose: Significant hirings, growth via new marketing channels, development of our platform, and scaling audits.</a:t>
+            </a:r>
+            <a:br/>
+            <a:r>
+              <a:t>#Slide: 8</a:t>
+            </a:r>
+            <a:br/>
+            <a:r>
+              <a:t>#Header: Summary</a:t>
+            </a:r>
+            <a:br/>
+            <a:r>
+              <a:t>#Content:</a:t>
+            </a:r>
+            <a:br/>
+            <a:r>
+              <a:t>- Elysium empowers developers with a unified AI platform.</a:t>
+            </a:r>
+            <a:br/>
+            <a:r>
+              <a:t>- Solve fragmentation issues in AI with seamless user experience and ecosystem integration.</a:t>
+            </a:r>
+            <a:br/>
+            <a:r>
+              <a:t>- Offer Elysium OS and Automation Station to streamline AI management.</a:t>
+            </a:r>
+            <a:br/>
+            <a:r>
+              <a:t>- Target developers as our primary customers.</a:t>
+            </a:r>
+            <a:br/>
+            <a:r>
+              <a:t>- Seeking capital raise for growth and development.</a:t>
+            </a:r>
+            <a:br/>
+            <a:r>
+              <a:t>#Slide: END</a:t>
+            </a:r>
+          </a:p>
+        </p:txBody>
+      </p:sp>
+      <p:pic>
+        <p:nvPicPr>
+          <p:cNvPr id="4" name="Picture 3" descr="slide_50.png"/>
+          <p:cNvPicPr>
+            <a:picLocks noChangeAspect="1"/>
+          </p:cNvPicPr>
+          <p:nvPr/>
+        </p:nvPicPr>
+        <p:blipFill>
+          <a:blip r:embed="rId2"/>
+          <a:stretch>
+            <a:fillRect/>
+          </a:stretch>
+        </p:blipFill>
+        <p:spPr>
+          <a:xfrm>
+            <a:off x="457200" y="1828800"/>
+            <a:ext cx="4572000" cy="4572000"/>
+          </a:xfrm>
+          <a:prstGeom prst="rect">
+            <a:avLst/>
+          </a:prstGeom>
+        </p:spPr>
+      </p:pic>
     </p:spTree>
   </p:cSld>
   <p:clrMapOvr>
